--- a/FinalProject/presentation/EUV Solar Telescope.pptx
+++ b/FinalProject/presentation/EUV Solar Telescope.pptx
@@ -9,6 +9,10 @@
     <p:sldId id="258" r:id="rId3"/>
     <p:sldId id="259" r:id="rId4"/>
     <p:sldId id="260" r:id="rId5"/>
+    <p:sldId id="261" r:id="rId6"/>
+    <p:sldId id="262" r:id="rId7"/>
+    <p:sldId id="263" r:id="rId8"/>
+    <p:sldId id="264" r:id="rId9"/>
   </p:sldIdLst>
   <p:sldSz cx="12192000" cy="6858000"/>
   <p:notesSz cx="6858000" cy="9144000"/>
@@ -107,6 +111,11 @@
       </a:defRPr>
     </a:lvl9pPr>
   </p:defaultTextStyle>
+  <p:extLst>
+    <p:ext uri="{EFAFB233-063F-42B5-8137-9DF3F51BA10A}">
+      <p15:sldGuideLst xmlns:p15="http://schemas.microsoft.com/office/powerpoint/2012/main"/>
+    </p:ext>
+  </p:extLst>
 </p:presentation>
 </file>
 
@@ -3397,7 +3406,7 @@
           <a:p>
             <a:r>
               <a:rPr lang="en-US" dirty="0"/>
-              <a:t>The radius where the zone plate switches from opaque to transparent is then</a:t>
+              <a:t>The radii where the zone plate switches from opaque to transparent is then</a:t>
             </a:r>
           </a:p>
         </p:txBody>
@@ -3495,6 +3504,518 @@
     <p:extLst>
       <p:ext uri="{BB962C8B-B14F-4D97-AF65-F5344CB8AC3E}">
         <p14:creationId xmlns:p14="http://schemas.microsoft.com/office/powerpoint/2010/main" val="2149432986"/>
+      </p:ext>
+    </p:extLst>
+  </p:cSld>
+  <p:clrMapOvr>
+    <a:masterClrMapping/>
+  </p:clrMapOvr>
+</p:sld>
+</file>
+
+<file path=ppt/slides/slide5.xml><?xml version="1.0" encoding="utf-8"?>
+<p:sld xmlns:a="http://schemas.openxmlformats.org/drawingml/2006/main" xmlns:r="http://schemas.openxmlformats.org/officeDocument/2006/relationships" xmlns:p="http://schemas.openxmlformats.org/presentationml/2006/main">
+  <p:cSld>
+    <p:spTree>
+      <p:nvGrpSpPr>
+        <p:cNvPr id="1" name=""/>
+        <p:cNvGrpSpPr/>
+        <p:nvPr/>
+      </p:nvGrpSpPr>
+      <p:grpSpPr>
+        <a:xfrm>
+          <a:off x="0" y="0"/>
+          <a:ext cx="0" cy="0"/>
+          <a:chOff x="0" y="0"/>
+          <a:chExt cx="0" cy="0"/>
+        </a:xfrm>
+      </p:grpSpPr>
+      <p:sp>
+        <p:nvSpPr>
+          <p:cNvPr id="2" name="Title 1"/>
+          <p:cNvSpPr>
+            <a:spLocks noGrp="1"/>
+          </p:cNvSpPr>
+          <p:nvPr>
+            <p:ph type="title"/>
+          </p:nvPr>
+        </p:nvSpPr>
+        <p:spPr/>
+        <p:txBody>
+          <a:bodyPr/>
+          <a:lstStyle/>
+          <a:p>
+            <a:r>
+              <a:rPr lang="en-US" dirty="0"/>
+              <a:t>Fresnel Zone Plate Challenges</a:t>
+            </a:r>
+          </a:p>
+        </p:txBody>
+      </p:sp>
+      <p:sp>
+        <p:nvSpPr>
+          <p:cNvPr id="3" name="Content Placeholder 2"/>
+          <p:cNvSpPr>
+            <a:spLocks noGrp="1"/>
+          </p:cNvSpPr>
+          <p:nvPr>
+            <p:ph sz="half" idx="1"/>
+          </p:nvPr>
+        </p:nvSpPr>
+        <p:spPr/>
+        <p:txBody>
+          <a:bodyPr/>
+          <a:lstStyle/>
+          <a:p>
+            <a:r>
+              <a:rPr lang="en-US" dirty="0"/>
+              <a:t>The location of the zones is wavelength dependent, leading to severe chromatic aberration.</a:t>
+            </a:r>
+          </a:p>
+          <a:p>
+            <a:r>
+              <a:rPr lang="en-US" dirty="0"/>
+              <a:t>Resolution of the zone plate is limited by the width of the smallest zone (diffraction limit).</a:t>
+            </a:r>
+          </a:p>
+          <a:p>
+            <a:pPr lvl="1"/>
+            <a:r>
+              <a:rPr lang="en-US" dirty="0"/>
+              <a:t>Zone plates are often manufactured using lithography, which currently achieve 10nm spot-sizes.</a:t>
+            </a:r>
+          </a:p>
+        </p:txBody>
+      </p:sp>
+      <p:pic>
+        <p:nvPicPr>
+          <p:cNvPr id="6" name="Content Placeholder 5"/>
+          <p:cNvPicPr>
+            <a:picLocks noGrp="1" noChangeAspect="1"/>
+          </p:cNvPicPr>
+          <p:nvPr>
+            <p:ph sz="half" idx="2"/>
+          </p:nvPr>
+        </p:nvPicPr>
+        <p:blipFill>
+          <a:blip r:embed="rId2">
+            <a:extLst>
+              <a:ext uri="{28A0092B-C50C-407E-A947-70E740481C1C}">
+                <a14:useLocalDpi xmlns:a14="http://schemas.microsoft.com/office/drawing/2010/main" val="0"/>
+              </a:ext>
+            </a:extLst>
+          </a:blip>
+          <a:stretch>
+            <a:fillRect/>
+          </a:stretch>
+        </p:blipFill>
+        <p:spPr>
+          <a:xfrm>
+            <a:off x="6172200" y="2170415"/>
+            <a:ext cx="5181600" cy="3661758"/>
+          </a:xfrm>
+        </p:spPr>
+      </p:pic>
+    </p:spTree>
+    <p:extLst>
+      <p:ext uri="{BB962C8B-B14F-4D97-AF65-F5344CB8AC3E}">
+        <p14:creationId xmlns:p14="http://schemas.microsoft.com/office/powerpoint/2010/main" val="2040599691"/>
+      </p:ext>
+    </p:extLst>
+  </p:cSld>
+  <p:clrMapOvr>
+    <a:masterClrMapping/>
+  </p:clrMapOvr>
+</p:sld>
+</file>
+
+<file path=ppt/slides/slide6.xml><?xml version="1.0" encoding="utf-8"?>
+<p:sld xmlns:a="http://schemas.openxmlformats.org/drawingml/2006/main" xmlns:r="http://schemas.openxmlformats.org/officeDocument/2006/relationships" xmlns:p="http://schemas.openxmlformats.org/presentationml/2006/main">
+  <p:cSld>
+    <p:spTree>
+      <p:nvGrpSpPr>
+        <p:cNvPr id="1" name=""/>
+        <p:cNvGrpSpPr/>
+        <p:nvPr/>
+      </p:nvGrpSpPr>
+      <p:grpSpPr>
+        <a:xfrm>
+          <a:off x="0" y="0"/>
+          <a:ext cx="0" cy="0"/>
+          <a:chOff x="0" y="0"/>
+          <a:chExt cx="0" cy="0"/>
+        </a:xfrm>
+      </p:grpSpPr>
+      <p:sp>
+        <p:nvSpPr>
+          <p:cNvPr id="2" name="Title 1"/>
+          <p:cNvSpPr>
+            <a:spLocks noGrp="1"/>
+          </p:cNvSpPr>
+          <p:nvPr>
+            <p:ph type="title"/>
+          </p:nvPr>
+        </p:nvSpPr>
+        <p:spPr/>
+        <p:txBody>
+          <a:bodyPr/>
+          <a:lstStyle/>
+          <a:p>
+            <a:r>
+              <a:rPr lang="en-US" dirty="0"/>
+              <a:t>Solar EUV Telescope Requirements</a:t>
+            </a:r>
+          </a:p>
+        </p:txBody>
+      </p:sp>
+      <p:sp>
+        <p:nvSpPr>
+          <p:cNvPr id="3" name="Content Placeholder 2"/>
+          <p:cNvSpPr>
+            <a:spLocks noGrp="1"/>
+          </p:cNvSpPr>
+          <p:nvPr>
+            <p:ph idx="1"/>
+          </p:nvPr>
+        </p:nvSpPr>
+        <p:spPr/>
+        <p:txBody>
+          <a:bodyPr/>
+          <a:lstStyle/>
+          <a:p>
+            <a:r>
+              <a:rPr lang="en-US" dirty="0"/>
+              <a:t>Narrow passband</a:t>
+            </a:r>
+          </a:p>
+          <a:p>
+            <a:pPr lvl="1"/>
+            <a:r>
+              <a:rPr lang="en-US" dirty="0"/>
+              <a:t>19.3nm to 19.5nm capturing two Fe XII emission lines</a:t>
+            </a:r>
+          </a:p>
+          <a:p>
+            <a:pPr lvl="1"/>
+            <a:r>
+              <a:rPr lang="en-US" dirty="0"/>
+              <a:t>Narrow-band filter will not be modeled in </a:t>
+            </a:r>
+            <a:r>
+              <a:rPr lang="en-US" dirty="0" err="1"/>
+              <a:t>Zemax</a:t>
+            </a:r>
+            <a:r>
+              <a:rPr lang="en-US" dirty="0"/>
+              <a:t>, we will simply model the propagation of these two wavelengths.</a:t>
+            </a:r>
+          </a:p>
+          <a:p>
+            <a:pPr lvl="1"/>
+            <a:endParaRPr lang="en-US" dirty="0"/>
+          </a:p>
+        </p:txBody>
+      </p:sp>
+      <p:pic>
+        <p:nvPicPr>
+          <p:cNvPr id="7" name="Picture 6"/>
+          <p:cNvPicPr>
+            <a:picLocks noChangeAspect="1"/>
+          </p:cNvPicPr>
+          <p:nvPr/>
+        </p:nvPicPr>
+        <p:blipFill>
+          <a:blip r:embed="rId2">
+            <a:extLst>
+              <a:ext uri="{28A0092B-C50C-407E-A947-70E740481C1C}">
+                <a14:useLocalDpi xmlns:a14="http://schemas.microsoft.com/office/drawing/2010/main" val="0"/>
+              </a:ext>
+            </a:extLst>
+          </a:blip>
+          <a:stretch>
+            <a:fillRect/>
+          </a:stretch>
+        </p:blipFill>
+        <p:spPr>
+          <a:xfrm>
+            <a:off x="0" y="3763173"/>
+            <a:ext cx="12192000" cy="3029069"/>
+          </a:xfrm>
+          <a:prstGeom prst="rect">
+            <a:avLst/>
+          </a:prstGeom>
+        </p:spPr>
+      </p:pic>
+    </p:spTree>
+    <p:extLst>
+      <p:ext uri="{BB962C8B-B14F-4D97-AF65-F5344CB8AC3E}">
+        <p14:creationId xmlns:p14="http://schemas.microsoft.com/office/powerpoint/2010/main" val="3798694759"/>
+      </p:ext>
+    </p:extLst>
+  </p:cSld>
+  <p:clrMapOvr>
+    <a:masterClrMapping/>
+  </p:clrMapOvr>
+</p:sld>
+</file>
+
+<file path=ppt/slides/slide7.xml><?xml version="1.0" encoding="utf-8"?>
+<p:sld xmlns:a="http://schemas.openxmlformats.org/drawingml/2006/main" xmlns:r="http://schemas.openxmlformats.org/officeDocument/2006/relationships" xmlns:p="http://schemas.openxmlformats.org/presentationml/2006/main">
+  <p:cSld>
+    <p:spTree>
+      <p:nvGrpSpPr>
+        <p:cNvPr id="1" name=""/>
+        <p:cNvGrpSpPr/>
+        <p:nvPr/>
+      </p:nvGrpSpPr>
+      <p:grpSpPr>
+        <a:xfrm>
+          <a:off x="0" y="0"/>
+          <a:ext cx="0" cy="0"/>
+          <a:chOff x="0" y="0"/>
+          <a:chExt cx="0" cy="0"/>
+        </a:xfrm>
+      </p:grpSpPr>
+      <p:sp>
+        <p:nvSpPr>
+          <p:cNvPr id="2" name="Title 1"/>
+          <p:cNvSpPr>
+            <a:spLocks noGrp="1"/>
+          </p:cNvSpPr>
+          <p:nvPr>
+            <p:ph type="title"/>
+          </p:nvPr>
+        </p:nvSpPr>
+        <p:spPr/>
+        <p:txBody>
+          <a:bodyPr/>
+          <a:lstStyle/>
+          <a:p>
+            <a:r>
+              <a:rPr lang="en-US" dirty="0"/>
+              <a:t>Solar EUV Telescope Requirements</a:t>
+            </a:r>
+          </a:p>
+        </p:txBody>
+      </p:sp>
+      <p:sp>
+        <p:nvSpPr>
+          <p:cNvPr id="3" name="Content Placeholder 2"/>
+          <p:cNvSpPr>
+            <a:spLocks noGrp="1"/>
+          </p:cNvSpPr>
+          <p:nvPr>
+            <p:ph idx="1"/>
+          </p:nvPr>
+        </p:nvSpPr>
+        <p:spPr/>
+        <p:txBody>
+          <a:bodyPr/>
+          <a:lstStyle/>
+          <a:p>
+            <a:r>
+              <a:rPr lang="en-US" dirty="0"/>
+              <a:t>Narrow passband</a:t>
+            </a:r>
+          </a:p>
+          <a:p>
+            <a:pPr lvl="1"/>
+            <a:r>
+              <a:rPr lang="en-US" dirty="0"/>
+              <a:t>19.3nm to 19.5nm capturing two Fe XII emission lines</a:t>
+            </a:r>
+          </a:p>
+          <a:p>
+            <a:pPr lvl="1"/>
+            <a:r>
+              <a:rPr lang="en-US" dirty="0"/>
+              <a:t>Narrow-band filter will not be modeled in </a:t>
+            </a:r>
+            <a:r>
+              <a:rPr lang="en-US" dirty="0" err="1"/>
+              <a:t>Zemax</a:t>
+            </a:r>
+            <a:r>
+              <a:rPr lang="en-US" dirty="0"/>
+              <a:t>, we will simply model the propagation of these two wavelengths.</a:t>
+            </a:r>
+          </a:p>
+          <a:p>
+            <a:pPr lvl="1"/>
+            <a:endParaRPr lang="en-US" dirty="0"/>
+          </a:p>
+        </p:txBody>
+      </p:sp>
+      <p:pic>
+        <p:nvPicPr>
+          <p:cNvPr id="7" name="Picture 6"/>
+          <p:cNvPicPr>
+            <a:picLocks noChangeAspect="1"/>
+          </p:cNvPicPr>
+          <p:nvPr/>
+        </p:nvPicPr>
+        <p:blipFill>
+          <a:blip r:embed="rId2">
+            <a:extLst>
+              <a:ext uri="{28A0092B-C50C-407E-A947-70E740481C1C}">
+                <a14:useLocalDpi xmlns:a14="http://schemas.microsoft.com/office/drawing/2010/main" val="0"/>
+              </a:ext>
+            </a:extLst>
+          </a:blip>
+          <a:stretch>
+            <a:fillRect/>
+          </a:stretch>
+        </p:blipFill>
+        <p:spPr>
+          <a:xfrm>
+            <a:off x="0" y="3763173"/>
+            <a:ext cx="12192000" cy="3029069"/>
+          </a:xfrm>
+          <a:prstGeom prst="rect">
+            <a:avLst/>
+          </a:prstGeom>
+        </p:spPr>
+      </p:pic>
+      <p:sp>
+        <p:nvSpPr>
+          <p:cNvPr id="4" name="Rectangle 3"/>
+          <p:cNvSpPr/>
+          <p:nvPr/>
+        </p:nvSpPr>
+        <p:spPr>
+          <a:xfrm>
+            <a:off x="3771900" y="3856383"/>
+            <a:ext cx="1913283" cy="2529508"/>
+          </a:xfrm>
+          <a:prstGeom prst="rect">
+            <a:avLst/>
+          </a:prstGeom>
+          <a:noFill/>
+          <a:ln w="38100">
+            <a:solidFill>
+              <a:srgbClr val="FF0000"/>
+            </a:solidFill>
+          </a:ln>
+        </p:spPr>
+        <p:style>
+          <a:lnRef idx="2">
+            <a:schemeClr val="accent1">
+              <a:shade val="50000"/>
+            </a:schemeClr>
+          </a:lnRef>
+          <a:fillRef idx="1">
+            <a:schemeClr val="accent1"/>
+          </a:fillRef>
+          <a:effectRef idx="0">
+            <a:schemeClr val="accent1"/>
+          </a:effectRef>
+          <a:fontRef idx="minor">
+            <a:schemeClr val="lt1"/>
+          </a:fontRef>
+        </p:style>
+        <p:txBody>
+          <a:bodyPr rtlCol="0" anchor="ctr"/>
+          <a:lstStyle/>
+          <a:p>
+            <a:pPr algn="ctr"/>
+            <a:endParaRPr lang="en-US"/>
+          </a:p>
+        </p:txBody>
+      </p:sp>
+    </p:spTree>
+    <p:extLst>
+      <p:ext uri="{BB962C8B-B14F-4D97-AF65-F5344CB8AC3E}">
+        <p14:creationId xmlns:p14="http://schemas.microsoft.com/office/powerpoint/2010/main" val="2635042342"/>
+      </p:ext>
+    </p:extLst>
+  </p:cSld>
+  <p:clrMapOvr>
+    <a:masterClrMapping/>
+  </p:clrMapOvr>
+</p:sld>
+</file>
+
+<file path=ppt/slides/slide8.xml><?xml version="1.0" encoding="utf-8"?>
+<p:sld xmlns:a="http://schemas.openxmlformats.org/drawingml/2006/main" xmlns:r="http://schemas.openxmlformats.org/officeDocument/2006/relationships" xmlns:p="http://schemas.openxmlformats.org/presentationml/2006/main">
+  <p:cSld>
+    <p:spTree>
+      <p:nvGrpSpPr>
+        <p:cNvPr id="1" name=""/>
+        <p:cNvGrpSpPr/>
+        <p:nvPr/>
+      </p:nvGrpSpPr>
+      <p:grpSpPr>
+        <a:xfrm>
+          <a:off x="0" y="0"/>
+          <a:ext cx="0" cy="0"/>
+          <a:chOff x="0" y="0"/>
+          <a:chExt cx="0" cy="0"/>
+        </a:xfrm>
+      </p:grpSpPr>
+      <p:sp>
+        <p:nvSpPr>
+          <p:cNvPr id="2" name="Title 1"/>
+          <p:cNvSpPr>
+            <a:spLocks noGrp="1"/>
+          </p:cNvSpPr>
+          <p:nvPr>
+            <p:ph type="title"/>
+          </p:nvPr>
+        </p:nvSpPr>
+        <p:spPr/>
+        <p:txBody>
+          <a:bodyPr/>
+          <a:lstStyle/>
+          <a:p>
+            <a:r>
+              <a:rPr lang="en-US" dirty="0"/>
+              <a:t>Solar EUV Telescope Requirements</a:t>
+            </a:r>
+          </a:p>
+        </p:txBody>
+      </p:sp>
+      <p:sp>
+        <p:nvSpPr>
+          <p:cNvPr id="3" name="Content Placeholder 2"/>
+          <p:cNvSpPr>
+            <a:spLocks noGrp="1"/>
+          </p:cNvSpPr>
+          <p:nvPr>
+            <p:ph idx="1"/>
+          </p:nvPr>
+        </p:nvSpPr>
+        <p:spPr/>
+        <p:txBody>
+          <a:bodyPr/>
+          <a:lstStyle/>
+          <a:p>
+            <a:r>
+              <a:rPr lang="en-US" dirty="0"/>
+              <a:t>Current observatories such as the Solar Dynamics Observatory (SDO) achieve sub-arcsecond (0.6”) resolution.</a:t>
+            </a:r>
+          </a:p>
+          <a:p>
+            <a:pPr lvl="1"/>
+            <a:r>
+              <a:rPr lang="en-US" dirty="0"/>
+              <a:t>We would like to match this performance.</a:t>
+            </a:r>
+          </a:p>
+          <a:p>
+            <a:r>
+              <a:rPr lang="en-US" dirty="0"/>
+              <a:t>Full-disk imaging of the sun requires a 1900”x1900” (0.53x0.53 deg.) field of view.</a:t>
+            </a:r>
+          </a:p>
+          <a:p>
+            <a:endParaRPr lang="en-US" dirty="0"/>
+          </a:p>
+        </p:txBody>
+      </p:sp>
+    </p:spTree>
+    <p:extLst>
+      <p:ext uri="{BB962C8B-B14F-4D97-AF65-F5344CB8AC3E}">
+        <p14:creationId xmlns:p14="http://schemas.microsoft.com/office/powerpoint/2010/main" val="3895302882"/>
       </p:ext>
     </p:extLst>
   </p:cSld>
